--- a/PPT UNICEF.pptx
+++ b/PPT UNICEF.pptx
@@ -9,7 +9,8 @@
     <p:sldId id="257" r:id="rId3"/>
     <p:sldId id="258" r:id="rId4"/>
     <p:sldId id="259" r:id="rId5"/>
-    <p:sldId id="260" r:id="rId6"/>
+    <p:sldId id="261" r:id="rId6"/>
+    <p:sldId id="260" r:id="rId7"/>
   </p:sldIdLst>
   <p:sldSz cx="12192000" cy="6858000"/>
   <p:notesSz cx="6858000" cy="9144000"/>
@@ -108,6 +109,11 @@
       </a:defRPr>
     </a:lvl9pPr>
   </p:defaultTextStyle>
+  <p:extLst>
+    <p:ext uri="{EFAFB233-063F-42B5-8137-9DF3F51BA10A}">
+      <p15:sldGuideLst xmlns:p15="http://schemas.microsoft.com/office/powerpoint/2012/main"/>
+    </p:ext>
+  </p:extLst>
 </p:presentation>
 </file>
 
@@ -443,7 +449,7 @@
             <a:fld id="{B61BEF0D-F0BB-DE4B-95CE-6DB70DBA9567}" type="datetimeFigureOut">
               <a:rPr lang="en-US" dirty="0"/>
               <a:pPr/>
-              <a:t>9/10/2020</a:t>
+              <a:t>9/22/2020</a:t>
             </a:fld>
             <a:endParaRPr lang="en-US" dirty="0"/>
           </a:p>
@@ -764,7 +770,7 @@
             <a:fld id="{B61BEF0D-F0BB-DE4B-95CE-6DB70DBA9567}" type="datetimeFigureOut">
               <a:rPr lang="en-US" dirty="0"/>
               <a:pPr/>
-              <a:t>9/10/2020</a:t>
+              <a:t>9/22/2020</a:t>
             </a:fld>
             <a:endParaRPr lang="en-US" dirty="0"/>
           </a:p>
@@ -1009,7 +1015,7 @@
             <a:fld id="{B61BEF0D-F0BB-DE4B-95CE-6DB70DBA9567}" type="datetimeFigureOut">
               <a:rPr lang="en-US" dirty="0"/>
               <a:pPr/>
-              <a:t>9/10/2020</a:t>
+              <a:t>9/22/2020</a:t>
             </a:fld>
             <a:endParaRPr lang="en-US" dirty="0"/>
           </a:p>
@@ -1345,7 +1351,7 @@
             <a:fld id="{B61BEF0D-F0BB-DE4B-95CE-6DB70DBA9567}" type="datetimeFigureOut">
               <a:rPr lang="en-US" dirty="0"/>
               <a:pPr/>
-              <a:t>9/10/2020</a:t>
+              <a:t>9/22/2020</a:t>
             </a:fld>
             <a:endParaRPr lang="en-US" dirty="0"/>
           </a:p>
@@ -1689,7 +1695,7 @@
             <a:fld id="{B61BEF0D-F0BB-DE4B-95CE-6DB70DBA9567}" type="datetimeFigureOut">
               <a:rPr lang="en-US" dirty="0"/>
               <a:pPr/>
-              <a:t>9/10/2020</a:t>
+              <a:t>9/22/2020</a:t>
             </a:fld>
             <a:endParaRPr lang="en-US" dirty="0"/>
           </a:p>
@@ -2060,7 +2066,7 @@
             <a:fld id="{B61BEF0D-F0BB-DE4B-95CE-6DB70DBA9567}" type="datetimeFigureOut">
               <a:rPr lang="en-US" dirty="0"/>
               <a:pPr/>
-              <a:t>9/10/2020</a:t>
+              <a:t>9/22/2020</a:t>
             </a:fld>
             <a:endParaRPr lang="en-US" dirty="0"/>
           </a:p>
@@ -2527,7 +2533,7 @@
             <a:fld id="{B61BEF0D-F0BB-DE4B-95CE-6DB70DBA9567}" type="datetimeFigureOut">
               <a:rPr lang="en-US" dirty="0"/>
               <a:pPr/>
-              <a:t>9/10/2020</a:t>
+              <a:t>9/22/2020</a:t>
             </a:fld>
             <a:endParaRPr lang="en-US" dirty="0"/>
           </a:p>
@@ -2729,7 +2735,7 @@
             <a:fld id="{B61BEF0D-F0BB-DE4B-95CE-6DB70DBA9567}" type="datetimeFigureOut">
               <a:rPr lang="en-US" dirty="0"/>
               <a:pPr/>
-              <a:t>9/10/2020</a:t>
+              <a:t>9/22/2020</a:t>
             </a:fld>
             <a:endParaRPr lang="en-US" dirty="0"/>
           </a:p>
@@ -2937,7 +2943,7 @@
             <a:fld id="{B61BEF0D-F0BB-DE4B-95CE-6DB70DBA9567}" type="datetimeFigureOut">
               <a:rPr lang="en-US" dirty="0"/>
               <a:pPr/>
-              <a:t>9/10/2020</a:t>
+              <a:t>9/22/2020</a:t>
             </a:fld>
             <a:endParaRPr lang="en-US" dirty="0"/>
           </a:p>
@@ -3165,7 +3171,7 @@
           <a:p>
             <a:fld id="{52647F38-B617-4D2F-AE0A-013F0C4D2C57}" type="datetimeFigureOut">
               <a:rPr lang="en-US" dirty="0"/>
-              <a:t>9/10/2020</a:t>
+              <a:t>9/22/2020</a:t>
             </a:fld>
             <a:endParaRPr lang="en-US" dirty="0"/>
           </a:p>
@@ -3409,7 +3415,7 @@
             <a:fld id="{B61BEF0D-F0BB-DE4B-95CE-6DB70DBA9567}" type="datetimeFigureOut">
               <a:rPr lang="en-US" dirty="0"/>
               <a:pPr/>
-              <a:t>9/10/2020</a:t>
+              <a:t>9/22/2020</a:t>
             </a:fld>
             <a:endParaRPr lang="en-US" dirty="0"/>
           </a:p>
@@ -3703,7 +3709,7 @@
           <a:p>
             <a:fld id="{05BFA754-D5C3-4E66-96A6-867B257F58DC}" type="datetimeFigureOut">
               <a:rPr lang="en-US" dirty="0"/>
-              <a:t>9/10/2020</a:t>
+              <a:t>9/22/2020</a:t>
             </a:fld>
             <a:endParaRPr lang="en-US" dirty="0"/>
           </a:p>
@@ -4093,7 +4099,7 @@
             <a:fld id="{B61BEF0D-F0BB-DE4B-95CE-6DB70DBA9567}" type="datetimeFigureOut">
               <a:rPr lang="en-US" dirty="0"/>
               <a:pPr/>
-              <a:t>9/10/2020</a:t>
+              <a:t>9/22/2020</a:t>
             </a:fld>
             <a:endParaRPr lang="en-US" dirty="0"/>
           </a:p>
@@ -4239,7 +4245,7 @@
             <a:fld id="{B61BEF0D-F0BB-DE4B-95CE-6DB70DBA9567}" type="datetimeFigureOut">
               <a:rPr lang="en-US" dirty="0"/>
               <a:pPr/>
-              <a:t>9/10/2020</a:t>
+              <a:t>9/22/2020</a:t>
             </a:fld>
             <a:endParaRPr lang="en-US" dirty="0"/>
           </a:p>
@@ -4362,7 +4368,7 @@
             <a:fld id="{B61BEF0D-F0BB-DE4B-95CE-6DB70DBA9567}" type="datetimeFigureOut">
               <a:rPr lang="en-US" dirty="0"/>
               <a:pPr/>
-              <a:t>9/10/2020</a:t>
+              <a:t>9/22/2020</a:t>
             </a:fld>
             <a:endParaRPr lang="en-US" dirty="0"/>
           </a:p>
@@ -4614,7 +4620,7 @@
             <a:fld id="{B61BEF0D-F0BB-DE4B-95CE-6DB70DBA9567}" type="datetimeFigureOut">
               <a:rPr lang="en-US" dirty="0"/>
               <a:pPr/>
-              <a:t>9/10/2020</a:t>
+              <a:t>9/22/2020</a:t>
             </a:fld>
             <a:endParaRPr lang="en-US" dirty="0"/>
           </a:p>
@@ -4926,7 +4932,7 @@
             <a:fld id="{B61BEF0D-F0BB-DE4B-95CE-6DB70DBA9567}" type="datetimeFigureOut">
               <a:rPr lang="en-US" dirty="0"/>
               <a:pPr/>
-              <a:t>9/10/2020</a:t>
+              <a:t>9/22/2020</a:t>
             </a:fld>
             <a:endParaRPr lang="en-US" dirty="0"/>
           </a:p>
@@ -5274,7 +5280,7 @@
             <a:fld id="{B61BEF0D-F0BB-DE4B-95CE-6DB70DBA9567}" type="datetimeFigureOut">
               <a:rPr lang="en-US" dirty="0"/>
               <a:pPr/>
-              <a:t>9/10/2020</a:t>
+              <a:t>9/22/2020</a:t>
             </a:fld>
             <a:endParaRPr lang="en-US" dirty="0"/>
           </a:p>
@@ -5829,14 +5835,19 @@
             <p:ph type="ctrTitle"/>
           </p:nvPr>
         </p:nvSpPr>
-        <p:spPr/>
+        <p:spPr>
+          <a:xfrm>
+            <a:off x="2425148" y="1871131"/>
+            <a:ext cx="7368209" cy="1515533"/>
+          </a:xfrm>
+        </p:spPr>
         <p:txBody>
           <a:bodyPr/>
           <a:lstStyle/>
           <a:p>
             <a:r>
               <a:rPr lang="en-US" dirty="0"/>
-              <a:t>UNICEF </a:t>
+              <a:t>VOLUNTEER UNICEF </a:t>
             </a:r>
           </a:p>
         </p:txBody>
@@ -5867,6 +5878,12 @@
             <a:r>
               <a:rPr lang="en-US" sz="1800" dirty="0"/>
               <a:t>NAMA : ANNISA KURNIA (1820010033)</a:t>
+            </a:r>
+          </a:p>
+          <a:p>
+            <a:r>
+              <a:rPr lang="en-US" sz="1800" dirty="0"/>
+              <a:t>       STEPHANIE MIRANDA (1820010204)</a:t>
             </a:r>
           </a:p>
         </p:txBody>
@@ -6502,6 +6519,75 @@
 </file>
 
 <file path=ppt/slides/slide5.xml><?xml version="1.0" encoding="utf-8"?>
+<p:sld xmlns:a="http://schemas.openxmlformats.org/drawingml/2006/main" xmlns:r="http://schemas.openxmlformats.org/officeDocument/2006/relationships" xmlns:p="http://schemas.openxmlformats.org/presentationml/2006/main">
+  <p:cSld>
+    <p:spTree>
+      <p:nvGrpSpPr>
+        <p:cNvPr id="1" name=""/>
+        <p:cNvGrpSpPr/>
+        <p:nvPr/>
+      </p:nvGrpSpPr>
+      <p:grpSpPr>
+        <a:xfrm>
+          <a:off x="0" y="0"/>
+          <a:ext cx="0" cy="0"/>
+          <a:chOff x="0" y="0"/>
+          <a:chExt cx="0" cy="0"/>
+        </a:xfrm>
+      </p:grpSpPr>
+      <p:sp>
+        <p:nvSpPr>
+          <p:cNvPr id="2" name="TextBox 1">
+            <a:extLst>
+              <a:ext uri="{FF2B5EF4-FFF2-40B4-BE49-F238E27FC236}">
+                <a16:creationId xmlns:a16="http://schemas.microsoft.com/office/drawing/2014/main" id="{A452DD79-28A8-4AC6-B99D-1993D81A7D92}"/>
+              </a:ext>
+            </a:extLst>
+          </p:cNvPr>
+          <p:cNvSpPr txBox="1"/>
+          <p:nvPr/>
+        </p:nvSpPr>
+        <p:spPr>
+          <a:xfrm>
+            <a:off x="2358887" y="1802296"/>
+            <a:ext cx="8097078" cy="1015663"/>
+          </a:xfrm>
+          <a:prstGeom prst="rect">
+            <a:avLst/>
+          </a:prstGeom>
+          <a:noFill/>
+        </p:spPr>
+        <p:txBody>
+          <a:bodyPr wrap="square" rtlCol="0">
+            <a:spAutoFit/>
+          </a:bodyPr>
+          <a:lstStyle/>
+          <a:p>
+            <a:r>
+              <a:rPr lang="en-US" sz="6000" dirty="0" err="1"/>
+              <a:t>Demostration</a:t>
+            </a:r>
+            <a:r>
+              <a:rPr lang="en-US" dirty="0"/>
+              <a:t> </a:t>
+            </a:r>
+          </a:p>
+        </p:txBody>
+      </p:sp>
+    </p:spTree>
+    <p:extLst>
+      <p:ext uri="{BB962C8B-B14F-4D97-AF65-F5344CB8AC3E}">
+        <p14:creationId xmlns:p14="http://schemas.microsoft.com/office/powerpoint/2010/main" val="2791061221"/>
+      </p:ext>
+    </p:extLst>
+  </p:cSld>
+  <p:clrMapOvr>
+    <a:masterClrMapping/>
+  </p:clrMapOvr>
+</p:sld>
+</file>
+
+<file path=ppt/slides/slide6.xml><?xml version="1.0" encoding="utf-8"?>
 <p:sld xmlns:a="http://schemas.openxmlformats.org/drawingml/2006/main" xmlns:r="http://schemas.openxmlformats.org/officeDocument/2006/relationships" xmlns:p="http://schemas.openxmlformats.org/presentationml/2006/main">
   <p:cSld>
     <p:spTree>
